--- a/materials/slides/ch01.pptx
+++ b/materials/slides/ch01.pptx
@@ -13967,94 +13967,6 @@
       </p:grpSpPr>
       <p:sp>
         <p:nvSpPr>
-          <p:cNvPr id="27651" name="内容占位符 3"/>
-          <p:cNvSpPr>
-            <a:spLocks noGrp="1"/>
-          </p:cNvSpPr>
-          <p:nvPr>
-            <p:ph idx="1"/>
-          </p:nvPr>
-        </p:nvSpPr>
-        <p:spPr>
-          <a:xfrm>
-            <a:off x="239349" y="1166527"/>
-            <a:ext cx="4730216" cy="4524949"/>
-          </a:xfrm>
-        </p:spPr>
-        <p:txBody>
-          <a:bodyPr>
-            <a:normAutofit lnSpcReduction="10000"/>
-          </a:bodyPr>
-          <a:lstStyle/>
-          <a:p>
-            <a:pPr>
-              <a:lnSpc>
-                <a:spcPct val="150000"/>
-              </a:lnSpc>
-            </a:pPr>
-            <a:r>
-              <a:rPr lang="zh-CN" altLang="en-US" dirty="0">
-                <a:latin typeface="+mn-ea"/>
-              </a:rPr>
-              <a:t>数据组织、存储和管理</a:t>
-            </a:r>
-          </a:p>
-          <a:p>
-            <a:pPr lvl="1">
-              <a:lnSpc>
-                <a:spcPct val="150000"/>
-              </a:lnSpc>
-            </a:pPr>
-            <a:r>
-              <a:rPr lang="zh-CN" altLang="en-US" sz="2400" dirty="0">
-                <a:latin typeface="+mn-ea"/>
-              </a:rPr>
-              <a:t>分类组织、存储和管理各种数据</a:t>
-            </a:r>
-          </a:p>
-          <a:p>
-            <a:pPr lvl="1">
-              <a:lnSpc>
-                <a:spcPct val="150000"/>
-              </a:lnSpc>
-            </a:pPr>
-            <a:r>
-              <a:rPr lang="zh-CN" altLang="en-US" sz="2400" dirty="0">
-                <a:latin typeface="+mn-ea"/>
-              </a:rPr>
-              <a:t>确定组织数据的文件结构和存取方式</a:t>
-            </a:r>
-          </a:p>
-          <a:p>
-            <a:pPr lvl="1">
-              <a:lnSpc>
-                <a:spcPct val="150000"/>
-              </a:lnSpc>
-            </a:pPr>
-            <a:r>
-              <a:rPr lang="zh-CN" altLang="en-US" sz="2400" dirty="0">
-                <a:latin typeface="+mn-ea"/>
-              </a:rPr>
-              <a:t>实现数据之间的联系</a:t>
-            </a:r>
-          </a:p>
-          <a:p>
-            <a:pPr lvl="1">
-              <a:lnSpc>
-                <a:spcPct val="150000"/>
-              </a:lnSpc>
-            </a:pPr>
-            <a:r>
-              <a:rPr lang="zh-CN" altLang="en-US" sz="2400" dirty="0">
-                <a:latin typeface="+mn-ea"/>
-              </a:rPr>
-              <a:t>提供多种存取方法提高存取效率</a:t>
-            </a:r>
-          </a:p>
-        </p:txBody>
-      </p:sp>
-      <p:sp>
-        <p:nvSpPr>
           <p:cNvPr id="3" name="标题 2"/>
           <p:cNvSpPr>
             <a:spLocks noGrp="1"/>
@@ -14087,12 +13999,158 @@
           </a:p>
         </p:txBody>
       </p:sp>
+      <p:pic>
+        <p:nvPicPr>
+          <p:cNvPr id="11" name="图片 10">
+            <a:extLst>
+              <a:ext uri="{FF2B5EF4-FFF2-40B4-BE49-F238E27FC236}">
+                <a16:creationId xmlns:a16="http://schemas.microsoft.com/office/drawing/2014/main" id="{0A72CAD4-57C2-44DC-8998-940D48286BCC}"/>
+              </a:ext>
+            </a:extLst>
+          </p:cNvPr>
+          <p:cNvPicPr>
+            <a:picLocks noChangeAspect="1"/>
+          </p:cNvPicPr>
+          <p:nvPr/>
+        </p:nvPicPr>
+        <p:blipFill>
+          <a:blip r:embed="rId3">
+            <a:extLst>
+              <a:ext uri="{28A0092B-C50C-407E-A947-70E740481C1C}">
+                <a14:useLocalDpi xmlns:a14="http://schemas.microsoft.com/office/drawing/2010/main" val="0"/>
+              </a:ext>
+            </a:extLst>
+          </a:blip>
+          <a:stretch>
+            <a:fillRect/>
+          </a:stretch>
+        </p:blipFill>
+        <p:spPr>
+          <a:xfrm>
+            <a:off x="5953559" y="1231011"/>
+            <a:ext cx="6160128" cy="3466279"/>
+          </a:xfrm>
+          <a:prstGeom prst="rect">
+            <a:avLst/>
+          </a:prstGeom>
+        </p:spPr>
+      </p:pic>
+      <p:pic>
+        <p:nvPicPr>
+          <p:cNvPr id="12" name="图片 11">
+            <a:extLst>
+              <a:ext uri="{FF2B5EF4-FFF2-40B4-BE49-F238E27FC236}">
+                <a16:creationId xmlns:a16="http://schemas.microsoft.com/office/drawing/2014/main" id="{192EE74C-0865-43B3-AB94-B9F105DEFF2C}"/>
+              </a:ext>
+            </a:extLst>
+          </p:cNvPr>
+          <p:cNvPicPr>
+            <a:picLocks noChangeAspect="1"/>
+          </p:cNvPicPr>
+          <p:nvPr/>
+        </p:nvPicPr>
+        <p:blipFill>
+          <a:blip r:embed="rId3">
+            <a:extLst>
+              <a:ext uri="{28A0092B-C50C-407E-A947-70E740481C1C}">
+                <a14:useLocalDpi xmlns:a14="http://schemas.microsoft.com/office/drawing/2010/main" val="0"/>
+              </a:ext>
+            </a:extLst>
+          </a:blip>
+          <a:stretch>
+            <a:fillRect/>
+          </a:stretch>
+        </p:blipFill>
+        <p:spPr>
+          <a:xfrm>
+            <a:off x="134650" y="1199116"/>
+            <a:ext cx="6096000" cy="3458753"/>
+          </a:xfrm>
+          <a:prstGeom prst="rect">
+            <a:avLst/>
+          </a:prstGeom>
+        </p:spPr>
+      </p:pic>
       <p:sp>
         <p:nvSpPr>
-          <p:cNvPr id="2" name="矩形 1">
+          <p:cNvPr id="13" name="内容占位符 3">
             <a:extLst>
               <a:ext uri="{FF2B5EF4-FFF2-40B4-BE49-F238E27FC236}">
-                <a16:creationId xmlns:a16="http://schemas.microsoft.com/office/drawing/2014/main" id="{2EB88686-F026-48E4-B39B-88F7BE9CC502}"/>
+                <a16:creationId xmlns:a16="http://schemas.microsoft.com/office/drawing/2014/main" id="{6596D3C7-84C8-480F-A489-6693FBCDB5C3}"/>
+              </a:ext>
+            </a:extLst>
+          </p:cNvPr>
+          <p:cNvSpPr>
+            <a:spLocks noGrp="1"/>
+          </p:cNvSpPr>
+          <p:nvPr>
+            <p:ph idx="1"/>
+          </p:nvPr>
+        </p:nvSpPr>
+        <p:spPr>
+          <a:xfrm>
+            <a:off x="239348" y="1270432"/>
+            <a:ext cx="5932852" cy="4524949"/>
+          </a:xfrm>
+        </p:spPr>
+        <p:txBody>
+          <a:bodyPr>
+            <a:normAutofit/>
+          </a:bodyPr>
+          <a:lstStyle/>
+          <a:p>
+            <a:pPr>
+              <a:lnSpc>
+                <a:spcPct val="150000"/>
+              </a:lnSpc>
+            </a:pPr>
+            <a:r>
+              <a:rPr lang="zh-CN" altLang="en-US" dirty="0">
+                <a:latin typeface="+mn-ea"/>
+              </a:rPr>
+              <a:t>数据定义功能</a:t>
+            </a:r>
+          </a:p>
+          <a:p>
+            <a:pPr lvl="1">
+              <a:lnSpc>
+                <a:spcPct val="150000"/>
+              </a:lnSpc>
+            </a:pPr>
+            <a:r>
+              <a:rPr lang="zh-CN" altLang="en-US" sz="2400" dirty="0">
+                <a:latin typeface="+mn-ea"/>
+              </a:rPr>
+              <a:t>提供数据定义语言</a:t>
+            </a:r>
+            <a:r>
+              <a:rPr lang="en-US" altLang="zh-CN" sz="2400" dirty="0">
+                <a:latin typeface="+mn-ea"/>
+              </a:rPr>
+              <a:t>(DDL)</a:t>
+            </a:r>
+          </a:p>
+          <a:p>
+            <a:pPr lvl="1">
+              <a:lnSpc>
+                <a:spcPct val="150000"/>
+              </a:lnSpc>
+            </a:pPr>
+            <a:r>
+              <a:rPr lang="zh-CN" altLang="en-US" sz="2400" dirty="0">
+                <a:latin typeface="+mn-ea"/>
+              </a:rPr>
+              <a:t>定义数据库中的数据对象</a:t>
+            </a:r>
+          </a:p>
+        </p:txBody>
+      </p:sp>
+      <p:sp>
+        <p:nvSpPr>
+          <p:cNvPr id="14" name="矩形 13">
+            <a:extLst>
+              <a:ext uri="{FF2B5EF4-FFF2-40B4-BE49-F238E27FC236}">
+                <a16:creationId xmlns:a16="http://schemas.microsoft.com/office/drawing/2014/main" id="{A97F04B9-6789-4EBA-AD00-A23AE65F4381}"/>
               </a:ext>
             </a:extLst>
           </p:cNvPr>
@@ -14101,7 +14159,7 @@
         </p:nvSpPr>
         <p:spPr>
           <a:xfrm>
-            <a:off x="5227982" y="1127106"/>
+            <a:off x="6017687" y="1231011"/>
             <a:ext cx="6096000" cy="3178371"/>
           </a:xfrm>
           <a:prstGeom prst="rect">

--- a/materials/slides/ch01.pptx
+++ b/materials/slides/ch01.pptx
@@ -5952,7 +5952,7 @@
           <a:p>
             <a:fld id="{4BB052E4-816C-484B-87F1-24E48077150E}" type="datetimeFigureOut">
               <a:rPr lang="zh-CN" altLang="en-US" smtClean="0"/>
-              <a:t>2019/2/24</a:t>
+              <a:t>2019/3/1</a:t>
             </a:fld>
             <a:endParaRPr lang="zh-CN" altLang="en-US"/>
           </a:p>
@@ -11574,7 +11574,7 @@
               <a:pPr>
                 <a:defRPr/>
               </a:pPr>
-              <a:t>2019/2/24</a:t>
+              <a:t>2019/3/1</a:t>
             </a:fld>
             <a:endParaRPr lang="zh-CN" altLang="en-US"/>
           </a:p>
@@ -11951,7 +11951,7 @@
               <a:pPr>
                 <a:defRPr/>
               </a:pPr>
-              <a:t>2019/2/24</a:t>
+              <a:t>2019/3/1</a:t>
             </a:fld>
             <a:endParaRPr lang="zh-CN" altLang="en-US"/>
           </a:p>
@@ -12306,7 +12306,7 @@
               <a:pPr>
                 <a:defRPr/>
               </a:pPr>
-              <a:t>2019/2/24</a:t>
+              <a:t>2019/3/1</a:t>
             </a:fld>
             <a:endParaRPr lang="zh-CN" altLang="en-US"/>
           </a:p>
@@ -14992,13 +14992,7 @@
           <a:p>
             <a:r>
               <a:rPr lang="zh-CN" altLang="en-US" dirty="0">
-                <a:effectLst>
-                  <a:outerShdw blurRad="38100" dist="38100" dir="2700000" algn="tl">
-                    <a:srgbClr val="C0C0C0"/>
-                  </a:outerShdw>
-                </a:effectLst>
-                <a:latin typeface="宋体" charset="-122"/>
-                <a:ea typeface="宋体" charset="-122"/>
+                <a:latin typeface="+mj-ea"/>
               </a:rPr>
               <a:t>数据库系统 </a:t>
             </a:r>
@@ -41016,13 +41010,7 @@
           <a:p>
             <a:r>
               <a:rPr lang="zh-CN" altLang="en-US" dirty="0">
-                <a:effectLst>
-                  <a:outerShdw blurRad="38100" dist="38100" dir="2700000" algn="tl">
-                    <a:srgbClr val="C0C0C0"/>
-                  </a:outerShdw>
-                </a:effectLst>
-                <a:latin typeface="宋体" charset="-122"/>
-                <a:ea typeface="宋体" charset="-122"/>
+                <a:latin typeface="+mj-ea"/>
               </a:rPr>
               <a:t>数据</a:t>
             </a:r>
